--- a/assignments/deconstruct-figure-set/Deconstruction_of_sciencepaper_template.pptx
+++ b/assignments/deconstruct-figure-set/Deconstruction_of_sciencepaper_template.pptx
@@ -9,14 +9,13 @@
     <p:sldId id="257" r:id="rId3"/>
     <p:sldId id="265" r:id="rId4"/>
     <p:sldId id="258" r:id="rId5"/>
-    <p:sldId id="266" r:id="rId6"/>
-    <p:sldId id="267" r:id="rId7"/>
-    <p:sldId id="268" r:id="rId8"/>
-    <p:sldId id="269" r:id="rId9"/>
-    <p:sldId id="270" r:id="rId10"/>
-    <p:sldId id="271" r:id="rId11"/>
-    <p:sldId id="272" r:id="rId12"/>
-    <p:sldId id="264" r:id="rId13"/>
+    <p:sldId id="273" r:id="rId6"/>
+    <p:sldId id="274" r:id="rId7"/>
+    <p:sldId id="275" r:id="rId8"/>
+    <p:sldId id="276" r:id="rId9"/>
+    <p:sldId id="277" r:id="rId10"/>
+    <p:sldId id="278" r:id="rId11"/>
+    <p:sldId id="264" r:id="rId12"/>
   </p:sldIdLst>
   <p:sldSz cx="9144000" cy="6858000" type="screen4x3"/>
   <p:notesSz cx="6858000" cy="9144000"/>
@@ -299,7 +298,8 @@
           <a:p>
             <a:fld id="{98F69910-945E-EC43-981A-A63F0A583EEC}" type="datetimeFigureOut">
               <a:rPr lang="en-US" smtClean="0"/>
-              <a:t>1/21/18</a:t>
+              <a:pPr/>
+              <a:t>1/22/18</a:t>
             </a:fld>
             <a:endParaRPr lang="en-US"/>
           </a:p>
@@ -341,6 +341,7 @@
           <a:p>
             <a:fld id="{9F11726B-112A-B249-ABB1-0A5A687B16D5}" type="slidenum">
               <a:rPr lang="en-US" smtClean="0"/>
+              <a:pPr/>
               <a:t>‹#›</a:t>
             </a:fld>
             <a:endParaRPr lang="en-US"/>
@@ -464,7 +465,8 @@
           <a:p>
             <a:fld id="{98F69910-945E-EC43-981A-A63F0A583EEC}" type="datetimeFigureOut">
               <a:rPr lang="en-US" smtClean="0"/>
-              <a:t>1/21/18</a:t>
+              <a:pPr/>
+              <a:t>1/22/18</a:t>
             </a:fld>
             <a:endParaRPr lang="en-US"/>
           </a:p>
@@ -506,6 +508,7 @@
           <a:p>
             <a:fld id="{9F11726B-112A-B249-ABB1-0A5A687B16D5}" type="slidenum">
               <a:rPr lang="en-US" smtClean="0"/>
+              <a:pPr/>
               <a:t>‹#›</a:t>
             </a:fld>
             <a:endParaRPr lang="en-US"/>
@@ -639,7 +642,8 @@
           <a:p>
             <a:fld id="{98F69910-945E-EC43-981A-A63F0A583EEC}" type="datetimeFigureOut">
               <a:rPr lang="en-US" smtClean="0"/>
-              <a:t>1/21/18</a:t>
+              <a:pPr/>
+              <a:t>1/22/18</a:t>
             </a:fld>
             <a:endParaRPr lang="en-US"/>
           </a:p>
@@ -681,6 +685,7 @@
           <a:p>
             <a:fld id="{9F11726B-112A-B249-ABB1-0A5A687B16D5}" type="slidenum">
               <a:rPr lang="en-US" smtClean="0"/>
+              <a:pPr/>
               <a:t>‹#›</a:t>
             </a:fld>
             <a:endParaRPr lang="en-US"/>
@@ -804,7 +809,8 @@
           <a:p>
             <a:fld id="{98F69910-945E-EC43-981A-A63F0A583EEC}" type="datetimeFigureOut">
               <a:rPr lang="en-US" smtClean="0"/>
-              <a:t>1/21/18</a:t>
+              <a:pPr/>
+              <a:t>1/22/18</a:t>
             </a:fld>
             <a:endParaRPr lang="en-US"/>
           </a:p>
@@ -846,6 +852,7 @@
           <a:p>
             <a:fld id="{9F11726B-112A-B249-ABB1-0A5A687B16D5}" type="slidenum">
               <a:rPr lang="en-US" smtClean="0"/>
+              <a:pPr/>
               <a:t>‹#›</a:t>
             </a:fld>
             <a:endParaRPr lang="en-US"/>
@@ -1045,7 +1052,8 @@
           <a:p>
             <a:fld id="{98F69910-945E-EC43-981A-A63F0A583EEC}" type="datetimeFigureOut">
               <a:rPr lang="en-US" smtClean="0"/>
-              <a:t>1/21/18</a:t>
+              <a:pPr/>
+              <a:t>1/22/18</a:t>
             </a:fld>
             <a:endParaRPr lang="en-US"/>
           </a:p>
@@ -1087,6 +1095,7 @@
           <a:p>
             <a:fld id="{9F11726B-112A-B249-ABB1-0A5A687B16D5}" type="slidenum">
               <a:rPr lang="en-US" smtClean="0"/>
+              <a:pPr/>
               <a:t>‹#›</a:t>
             </a:fld>
             <a:endParaRPr lang="en-US"/>
@@ -1328,7 +1337,8 @@
           <a:p>
             <a:fld id="{98F69910-945E-EC43-981A-A63F0A583EEC}" type="datetimeFigureOut">
               <a:rPr lang="en-US" smtClean="0"/>
-              <a:t>1/21/18</a:t>
+              <a:pPr/>
+              <a:t>1/22/18</a:t>
             </a:fld>
             <a:endParaRPr lang="en-US"/>
           </a:p>
@@ -1370,6 +1380,7 @@
           <a:p>
             <a:fld id="{9F11726B-112A-B249-ABB1-0A5A687B16D5}" type="slidenum">
               <a:rPr lang="en-US" smtClean="0"/>
+              <a:pPr/>
               <a:t>‹#›</a:t>
             </a:fld>
             <a:endParaRPr lang="en-US"/>
@@ -1745,7 +1756,8 @@
           <a:p>
             <a:fld id="{98F69910-945E-EC43-981A-A63F0A583EEC}" type="datetimeFigureOut">
               <a:rPr lang="en-US" smtClean="0"/>
-              <a:t>1/21/18</a:t>
+              <a:pPr/>
+              <a:t>1/22/18</a:t>
             </a:fld>
             <a:endParaRPr lang="en-US"/>
           </a:p>
@@ -1787,6 +1799,7 @@
           <a:p>
             <a:fld id="{9F11726B-112A-B249-ABB1-0A5A687B16D5}" type="slidenum">
               <a:rPr lang="en-US" smtClean="0"/>
+              <a:pPr/>
               <a:t>‹#›</a:t>
             </a:fld>
             <a:endParaRPr lang="en-US"/>
@@ -1858,7 +1871,8 @@
           <a:p>
             <a:fld id="{98F69910-945E-EC43-981A-A63F0A583EEC}" type="datetimeFigureOut">
               <a:rPr lang="en-US" smtClean="0"/>
-              <a:t>1/21/18</a:t>
+              <a:pPr/>
+              <a:t>1/22/18</a:t>
             </a:fld>
             <a:endParaRPr lang="en-US"/>
           </a:p>
@@ -1900,6 +1914,7 @@
           <a:p>
             <a:fld id="{9F11726B-112A-B249-ABB1-0A5A687B16D5}" type="slidenum">
               <a:rPr lang="en-US" smtClean="0"/>
+              <a:pPr/>
               <a:t>‹#›</a:t>
             </a:fld>
             <a:endParaRPr lang="en-US"/>
@@ -1948,7 +1963,8 @@
           <a:p>
             <a:fld id="{98F69910-945E-EC43-981A-A63F0A583EEC}" type="datetimeFigureOut">
               <a:rPr lang="en-US" smtClean="0"/>
-              <a:t>1/21/18</a:t>
+              <a:pPr/>
+              <a:t>1/22/18</a:t>
             </a:fld>
             <a:endParaRPr lang="en-US"/>
           </a:p>
@@ -1990,6 +2006,7 @@
           <a:p>
             <a:fld id="{9F11726B-112A-B249-ABB1-0A5A687B16D5}" type="slidenum">
               <a:rPr lang="en-US" smtClean="0"/>
+              <a:pPr/>
               <a:t>‹#›</a:t>
             </a:fld>
             <a:endParaRPr lang="en-US"/>
@@ -2220,7 +2237,8 @@
           <a:p>
             <a:fld id="{98F69910-945E-EC43-981A-A63F0A583EEC}" type="datetimeFigureOut">
               <a:rPr lang="en-US" smtClean="0"/>
-              <a:t>1/21/18</a:t>
+              <a:pPr/>
+              <a:t>1/22/18</a:t>
             </a:fld>
             <a:endParaRPr lang="en-US"/>
           </a:p>
@@ -2262,6 +2280,7 @@
           <a:p>
             <a:fld id="{9F11726B-112A-B249-ABB1-0A5A687B16D5}" type="slidenum">
               <a:rPr lang="en-US" smtClean="0"/>
+              <a:pPr/>
               <a:t>‹#›</a:t>
             </a:fld>
             <a:endParaRPr lang="en-US"/>
@@ -2468,7 +2487,8 @@
           <a:p>
             <a:fld id="{98F69910-945E-EC43-981A-A63F0A583EEC}" type="datetimeFigureOut">
               <a:rPr lang="en-US" smtClean="0"/>
-              <a:t>1/21/18</a:t>
+              <a:pPr/>
+              <a:t>1/22/18</a:t>
             </a:fld>
             <a:endParaRPr lang="en-US"/>
           </a:p>
@@ -2510,6 +2530,7 @@
           <a:p>
             <a:fld id="{9F11726B-112A-B249-ABB1-0A5A687B16D5}" type="slidenum">
               <a:rPr lang="en-US" smtClean="0"/>
+              <a:pPr/>
               <a:t>‹#›</a:t>
             </a:fld>
             <a:endParaRPr lang="en-US"/>
@@ -2676,7 +2697,8 @@
           <a:p>
             <a:fld id="{98F69910-945E-EC43-981A-A63F0A583EEC}" type="datetimeFigureOut">
               <a:rPr lang="en-US" smtClean="0"/>
-              <a:t>1/21/18</a:t>
+              <a:pPr/>
+              <a:t>1/22/18</a:t>
             </a:fld>
             <a:endParaRPr lang="en-US"/>
           </a:p>
@@ -2754,6 +2776,7 @@
           <a:p>
             <a:fld id="{9F11726B-112A-B249-ABB1-0A5A687B16D5}" type="slidenum">
               <a:rPr lang="en-US" smtClean="0"/>
+              <a:pPr/>
               <a:t>‹#›</a:t>
             </a:fld>
             <a:endParaRPr lang="en-US"/>
@@ -3183,7 +3206,11 @@
           <a:p>
             <a:r>
               <a:rPr lang="en-US" dirty="0" smtClean="0"/>
-              <a:t>This figure is of type </a:t>
+              <a:t>This figure is of type</a:t>
+            </a:r>
+            <a:r>
+              <a:rPr lang="en-US" dirty="0" smtClean="0"/>
+              <a:t> </a:t>
             </a:r>
             <a:r>
               <a:rPr lang="en-US" dirty="0" smtClean="0">
@@ -3191,20 +3218,27 @@
                   <a:srgbClr val="FF0000"/>
                 </a:solidFill>
               </a:rPr>
-              <a:t>1a </a:t>
-            </a:r>
-          </a:p>
-          <a:p>
-            <a:pPr lvl="1"/>
+              <a:t>xxx</a:t>
+            </a:r>
+          </a:p>
+          <a:p>
             <a:r>
               <a:rPr lang="en-US" dirty="0" smtClean="0">
                 <a:solidFill>
                   <a:srgbClr val="FF0000"/>
                 </a:solidFill>
               </a:rPr>
-              <a:t>Background -&gt; Orientation like a base map</a:t>
-            </a:r>
-            <a:endParaRPr lang="en-US" dirty="0">
+              <a:t>You are meant to see claims of </a:t>
+            </a:r>
+            <a:r>
+              <a:rPr lang="en-US" dirty="0" err="1" smtClean="0">
+                <a:solidFill>
+                  <a:srgbClr val="FF0000"/>
+                </a:solidFill>
+              </a:rPr>
+              <a:t>yyy</a:t>
+            </a:r>
+            <a:endParaRPr lang="en-US" dirty="0" smtClean="0">
               <a:solidFill>
                 <a:srgbClr val="FF0000"/>
               </a:solidFill>
@@ -3279,139 +3313,6 @@
         </p:nvSpPr>
         <p:spPr/>
         <p:txBody>
-          <a:bodyPr/>
-          <a:lstStyle/>
-          <a:p>
-            <a:r>
-              <a:rPr lang="en-US" dirty="0" smtClean="0"/>
-              <a:t>Figure </a:t>
-            </a:r>
-            <a:r>
-              <a:rPr lang="en-US" dirty="0" err="1" smtClean="0"/>
-              <a:t>i</a:t>
-            </a:r>
-            <a:endParaRPr lang="en-US" dirty="0"/>
-          </a:p>
-        </p:txBody>
-      </p:sp>
-      <p:sp>
-        <p:nvSpPr>
-          <p:cNvPr id="3" name="Content Placeholder 2"/>
-          <p:cNvSpPr>
-            <a:spLocks noGrp="1"/>
-          </p:cNvSpPr>
-          <p:nvPr>
-            <p:ph idx="1"/>
-          </p:nvPr>
-        </p:nvSpPr>
-        <p:spPr>
-          <a:xfrm>
-            <a:off x="457200" y="4390224"/>
-            <a:ext cx="8229600" cy="2467776"/>
-          </a:xfrm>
-        </p:spPr>
-        <p:txBody>
-          <a:bodyPr/>
-          <a:lstStyle/>
-          <a:p>
-            <a:r>
-              <a:rPr lang="en-US" dirty="0" smtClean="0"/>
-              <a:t>This figure is of type </a:t>
-            </a:r>
-            <a:r>
-              <a:rPr lang="en-US" dirty="0" smtClean="0">
-                <a:solidFill>
-                  <a:srgbClr val="FF0000"/>
-                </a:solidFill>
-              </a:rPr>
-              <a:t>1a </a:t>
-            </a:r>
-          </a:p>
-          <a:p>
-            <a:pPr lvl="1"/>
-            <a:r>
-              <a:rPr lang="en-US" dirty="0" smtClean="0">
-                <a:solidFill>
-                  <a:srgbClr val="FF0000"/>
-                </a:solidFill>
-              </a:rPr>
-              <a:t>Background -&gt; Orientation like a base map</a:t>
-            </a:r>
-            <a:endParaRPr lang="en-US" dirty="0">
-              <a:solidFill>
-                <a:srgbClr val="FF0000"/>
-              </a:solidFill>
-            </a:endParaRPr>
-          </a:p>
-        </p:txBody>
-      </p:sp>
-      <p:sp>
-        <p:nvSpPr>
-          <p:cNvPr id="4" name="TextBox 3"/>
-          <p:cNvSpPr txBox="1"/>
-          <p:nvPr/>
-        </p:nvSpPr>
-        <p:spPr>
-          <a:xfrm>
-            <a:off x="3920582" y="1932803"/>
-            <a:ext cx="1244940" cy="369332"/>
-          </a:xfrm>
-          <a:prstGeom prst="rect">
-            <a:avLst/>
-          </a:prstGeom>
-          <a:noFill/>
-        </p:spPr>
-        <p:txBody>
-          <a:bodyPr wrap="none" rtlCol="0">
-            <a:spAutoFit/>
-          </a:bodyPr>
-          <a:lstStyle/>
-          <a:p>
-            <a:r>
-              <a:rPr lang="en-US" dirty="0" smtClean="0"/>
-              <a:t>Image here</a:t>
-            </a:r>
-            <a:endParaRPr lang="en-US" dirty="0"/>
-          </a:p>
-        </p:txBody>
-      </p:sp>
-    </p:spTree>
-  </p:cSld>
-  <p:clrMapOvr>
-    <a:masterClrMapping/>
-  </p:clrMapOvr>
-</p:sld>
-</file>
-
-<file path=ppt/slides/slide12.xml><?xml version="1.0" encoding="utf-8"?>
-<p:sld xmlns:a="http://schemas.openxmlformats.org/drawingml/2006/main" xmlns:r="http://schemas.openxmlformats.org/officeDocument/2006/relationships" xmlns:mc="http://schemas.openxmlformats.org/markup-compatibility/2006" xmlns:mv="urn:schemas-microsoft-com:mac:vml" xmlns:p="http://schemas.openxmlformats.org/presentationml/2006/main" mc:Ignorable="mv" mc:PreserveAttributes="mv:*">
-  <p:cSld>
-    <p:spTree>
-      <p:nvGrpSpPr>
-        <p:cNvPr id="1" name=""/>
-        <p:cNvGrpSpPr/>
-        <p:nvPr/>
-      </p:nvGrpSpPr>
-      <p:grpSpPr>
-        <a:xfrm>
-          <a:off x="0" y="0"/>
-          <a:ext cx="0" cy="0"/>
-          <a:chOff x="0" y="0"/>
-          <a:chExt cx="0" cy="0"/>
-        </a:xfrm>
-      </p:grpSpPr>
-      <p:sp>
-        <p:nvSpPr>
-          <p:cNvPr id="2" name="Title 1"/>
-          <p:cNvSpPr>
-            <a:spLocks noGrp="1"/>
-          </p:cNvSpPr>
-          <p:nvPr>
-            <p:ph type="title"/>
-          </p:nvPr>
-        </p:nvSpPr>
-        <p:spPr/>
-        <p:txBody>
           <a:bodyPr>
             <a:normAutofit fontScale="90000"/>
           </a:bodyPr>
@@ -3717,7 +3618,6 @@
               <a:rPr lang="en-US" smtClean="0"/>
               <a:t>and </a:t>
             </a:r>
-            <a:endParaRPr lang="en-US" smtClean="0"/>
           </a:p>
         </p:txBody>
       </p:sp>
@@ -3795,7 +3695,11 @@
           <a:p>
             <a:r>
               <a:rPr lang="en-US" dirty="0" smtClean="0"/>
-              <a:t>This figure is of type </a:t>
+              <a:t>This figure is of type</a:t>
+            </a:r>
+            <a:r>
+              <a:rPr lang="en-US" dirty="0" smtClean="0"/>
+              <a:t> </a:t>
             </a:r>
             <a:r>
               <a:rPr lang="en-US" dirty="0" smtClean="0">
@@ -3803,20 +3707,27 @@
                   <a:srgbClr val="FF0000"/>
                 </a:solidFill>
               </a:rPr>
-              <a:t>1a </a:t>
-            </a:r>
-          </a:p>
-          <a:p>
-            <a:pPr lvl="1"/>
+              <a:t>xxx</a:t>
+            </a:r>
+          </a:p>
+          <a:p>
             <a:r>
               <a:rPr lang="en-US" dirty="0" smtClean="0">
                 <a:solidFill>
                   <a:srgbClr val="FF0000"/>
                 </a:solidFill>
               </a:rPr>
-              <a:t>Background -&gt; Orientation like a base map</a:t>
-            </a:r>
-            <a:endParaRPr lang="en-US" dirty="0">
+              <a:t>You are meant to see claims of </a:t>
+            </a:r>
+            <a:r>
+              <a:rPr lang="en-US" dirty="0" err="1" smtClean="0">
+                <a:solidFill>
+                  <a:srgbClr val="FF0000"/>
+                </a:solidFill>
+              </a:rPr>
+              <a:t>yyy</a:t>
+            </a:r>
+            <a:endParaRPr lang="en-US" dirty="0" smtClean="0">
               <a:solidFill>
                 <a:srgbClr val="FF0000"/>
               </a:solidFill>
@@ -3928,7 +3839,11 @@
           <a:p>
             <a:r>
               <a:rPr lang="en-US" dirty="0" smtClean="0"/>
-              <a:t>This figure is of type </a:t>
+              <a:t>This figure is of type</a:t>
+            </a:r>
+            <a:r>
+              <a:rPr lang="en-US" dirty="0" smtClean="0"/>
+              <a:t> </a:t>
             </a:r>
             <a:r>
               <a:rPr lang="en-US" dirty="0" smtClean="0">
@@ -3936,20 +3851,27 @@
                   <a:srgbClr val="FF0000"/>
                 </a:solidFill>
               </a:rPr>
-              <a:t>1a </a:t>
-            </a:r>
-          </a:p>
-          <a:p>
-            <a:pPr lvl="1"/>
+              <a:t>xxx</a:t>
+            </a:r>
+          </a:p>
+          <a:p>
             <a:r>
               <a:rPr lang="en-US" dirty="0" smtClean="0">
                 <a:solidFill>
                   <a:srgbClr val="FF0000"/>
                 </a:solidFill>
               </a:rPr>
-              <a:t>Background -&gt; Orientation like a base map</a:t>
-            </a:r>
-            <a:endParaRPr lang="en-US" dirty="0">
+              <a:t>You are meant to see claims of </a:t>
+            </a:r>
+            <a:r>
+              <a:rPr lang="en-US" dirty="0" err="1" smtClean="0">
+                <a:solidFill>
+                  <a:srgbClr val="FF0000"/>
+                </a:solidFill>
+              </a:rPr>
+              <a:t>yyy</a:t>
+            </a:r>
+            <a:endParaRPr lang="en-US" dirty="0" smtClean="0">
               <a:solidFill>
                 <a:srgbClr val="FF0000"/>
               </a:solidFill>
@@ -4061,7 +3983,11 @@
           <a:p>
             <a:r>
               <a:rPr lang="en-US" dirty="0" smtClean="0"/>
-              <a:t>This figure is of type </a:t>
+              <a:t>This figure is of type</a:t>
+            </a:r>
+            <a:r>
+              <a:rPr lang="en-US" dirty="0" smtClean="0"/>
+              <a:t> </a:t>
             </a:r>
             <a:r>
               <a:rPr lang="en-US" dirty="0" smtClean="0">
@@ -4069,20 +3995,27 @@
                   <a:srgbClr val="FF0000"/>
                 </a:solidFill>
               </a:rPr>
-              <a:t>1a </a:t>
-            </a:r>
-          </a:p>
-          <a:p>
-            <a:pPr lvl="1"/>
+              <a:t>xxx</a:t>
+            </a:r>
+          </a:p>
+          <a:p>
             <a:r>
               <a:rPr lang="en-US" dirty="0" smtClean="0">
                 <a:solidFill>
                   <a:srgbClr val="FF0000"/>
                 </a:solidFill>
               </a:rPr>
-              <a:t>Background -&gt; Orientation like a base map</a:t>
-            </a:r>
-            <a:endParaRPr lang="en-US" dirty="0">
+              <a:t>You are meant to see claims of </a:t>
+            </a:r>
+            <a:r>
+              <a:rPr lang="en-US" dirty="0" err="1" smtClean="0">
+                <a:solidFill>
+                  <a:srgbClr val="FF0000"/>
+                </a:solidFill>
+              </a:rPr>
+              <a:t>yyy</a:t>
+            </a:r>
+            <a:endParaRPr lang="en-US" dirty="0" smtClean="0">
               <a:solidFill>
                 <a:srgbClr val="FF0000"/>
               </a:solidFill>
@@ -4194,7 +4127,11 @@
           <a:p>
             <a:r>
               <a:rPr lang="en-US" dirty="0" smtClean="0"/>
-              <a:t>This figure is of type </a:t>
+              <a:t>This figure is of type</a:t>
+            </a:r>
+            <a:r>
+              <a:rPr lang="en-US" dirty="0" smtClean="0"/>
+              <a:t> </a:t>
             </a:r>
             <a:r>
               <a:rPr lang="en-US" dirty="0" smtClean="0">
@@ -4202,20 +4139,27 @@
                   <a:srgbClr val="FF0000"/>
                 </a:solidFill>
               </a:rPr>
-              <a:t>1a </a:t>
-            </a:r>
-          </a:p>
-          <a:p>
-            <a:pPr lvl="1"/>
+              <a:t>xxx</a:t>
+            </a:r>
+          </a:p>
+          <a:p>
             <a:r>
               <a:rPr lang="en-US" dirty="0" smtClean="0">
                 <a:solidFill>
                   <a:srgbClr val="FF0000"/>
                 </a:solidFill>
               </a:rPr>
-              <a:t>Background -&gt; Orientation like a base map</a:t>
-            </a:r>
-            <a:endParaRPr lang="en-US" dirty="0">
+              <a:t>You are meant to see claims of </a:t>
+            </a:r>
+            <a:r>
+              <a:rPr lang="en-US" dirty="0" err="1" smtClean="0">
+                <a:solidFill>
+                  <a:srgbClr val="FF0000"/>
+                </a:solidFill>
+              </a:rPr>
+              <a:t>yyy</a:t>
+            </a:r>
+            <a:endParaRPr lang="en-US" dirty="0" smtClean="0">
               <a:solidFill>
                 <a:srgbClr val="FF0000"/>
               </a:solidFill>
@@ -4327,7 +4271,11 @@
           <a:p>
             <a:r>
               <a:rPr lang="en-US" dirty="0" smtClean="0"/>
-              <a:t>This figure is of type </a:t>
+              <a:t>This figure is of type</a:t>
+            </a:r>
+            <a:r>
+              <a:rPr lang="en-US" dirty="0" smtClean="0"/>
+              <a:t> </a:t>
             </a:r>
             <a:r>
               <a:rPr lang="en-US" dirty="0" smtClean="0">
@@ -4335,20 +4283,27 @@
                   <a:srgbClr val="FF0000"/>
                 </a:solidFill>
               </a:rPr>
-              <a:t>1a </a:t>
-            </a:r>
-          </a:p>
-          <a:p>
-            <a:pPr lvl="1"/>
+              <a:t>xxx</a:t>
+            </a:r>
+          </a:p>
+          <a:p>
             <a:r>
               <a:rPr lang="en-US" dirty="0" smtClean="0">
                 <a:solidFill>
                   <a:srgbClr val="FF0000"/>
                 </a:solidFill>
               </a:rPr>
-              <a:t>Background -&gt; Orientation like a base map</a:t>
-            </a:r>
-            <a:endParaRPr lang="en-US" dirty="0">
+              <a:t>You are meant to see claims of </a:t>
+            </a:r>
+            <a:r>
+              <a:rPr lang="en-US" dirty="0" err="1" smtClean="0">
+                <a:solidFill>
+                  <a:srgbClr val="FF0000"/>
+                </a:solidFill>
+              </a:rPr>
+              <a:t>yyy</a:t>
+            </a:r>
+            <a:endParaRPr lang="en-US" dirty="0" smtClean="0">
               <a:solidFill>
                 <a:srgbClr val="FF0000"/>
               </a:solidFill>
@@ -4460,7 +4415,11 @@
           <a:p>
             <a:r>
               <a:rPr lang="en-US" dirty="0" smtClean="0"/>
-              <a:t>This figure is of type </a:t>
+              <a:t>This figure is of type</a:t>
+            </a:r>
+            <a:r>
+              <a:rPr lang="en-US" dirty="0" smtClean="0"/>
+              <a:t> </a:t>
             </a:r>
             <a:r>
               <a:rPr lang="en-US" dirty="0" smtClean="0">
@@ -4468,20 +4427,27 @@
                   <a:srgbClr val="FF0000"/>
                 </a:solidFill>
               </a:rPr>
-              <a:t>1a </a:t>
-            </a:r>
-          </a:p>
-          <a:p>
-            <a:pPr lvl="1"/>
+              <a:t>xxx</a:t>
+            </a:r>
+          </a:p>
+          <a:p>
             <a:r>
               <a:rPr lang="en-US" dirty="0" smtClean="0">
                 <a:solidFill>
                   <a:srgbClr val="FF0000"/>
                 </a:solidFill>
               </a:rPr>
-              <a:t>Background -&gt; Orientation like a base map</a:t>
-            </a:r>
-            <a:endParaRPr lang="en-US" dirty="0">
+              <a:t>You are meant to see claims of </a:t>
+            </a:r>
+            <a:r>
+              <a:rPr lang="en-US" dirty="0" err="1" smtClean="0">
+                <a:solidFill>
+                  <a:srgbClr val="FF0000"/>
+                </a:solidFill>
+              </a:rPr>
+              <a:t>yyy</a:t>
+            </a:r>
+            <a:endParaRPr lang="en-US" dirty="0" smtClean="0">
               <a:solidFill>
                 <a:srgbClr val="FF0000"/>
               </a:solidFill>
